--- a/doc/Presentation.pptx
+++ b/doc/Presentation.pptx
@@ -108,6 +108,11 @@
       </a:defRPr>
     </a:lvl9pPr>
   </p:defaultTextStyle>
+  <p:extLst>
+    <p:ext uri="{EFAFB233-063F-42B5-8137-9DF3F51BA10A}">
+      <p15:sldGuideLst xmlns:p15="http://schemas.microsoft.com/office/powerpoint/2012/main"/>
+    </p:ext>
+  </p:extLst>
 </p:presentation>
 </file>
 
@@ -613,7 +618,7 @@
           <a:p>
             <a:fld id="{64CDEDAF-14B2-4DBE-8564-276D42205C11}" type="datetimeFigureOut">
               <a:rPr lang="de-AT" smtClean="0"/>
-              <a:t>26.01.2017</a:t>
+              <a:t>27.01.2017</a:t>
             </a:fld>
             <a:endParaRPr lang="de-AT"/>
           </a:p>
@@ -909,7 +914,7 @@
           <a:p>
             <a:fld id="{64CDEDAF-14B2-4DBE-8564-276D42205C11}" type="datetimeFigureOut">
               <a:rPr lang="de-AT" smtClean="0"/>
-              <a:t>26.01.2017</a:t>
+              <a:t>27.01.2017</a:t>
             </a:fld>
             <a:endParaRPr lang="de-AT"/>
           </a:p>
@@ -1157,7 +1162,7 @@
           <a:p>
             <a:fld id="{64CDEDAF-14B2-4DBE-8564-276D42205C11}" type="datetimeFigureOut">
               <a:rPr lang="de-AT" smtClean="0"/>
-              <a:t>26.01.2017</a:t>
+              <a:t>27.01.2017</a:t>
             </a:fld>
             <a:endParaRPr lang="de-AT"/>
           </a:p>
@@ -1697,7 +1702,7 @@
           <a:p>
             <a:fld id="{64CDEDAF-14B2-4DBE-8564-276D42205C11}" type="datetimeFigureOut">
               <a:rPr lang="de-AT" smtClean="0"/>
-              <a:t>26.01.2017</a:t>
+              <a:t>27.01.2017</a:t>
             </a:fld>
             <a:endParaRPr lang="de-AT"/>
           </a:p>
@@ -1945,7 +1950,7 @@
           <a:p>
             <a:fld id="{64CDEDAF-14B2-4DBE-8564-276D42205C11}" type="datetimeFigureOut">
               <a:rPr lang="de-AT" smtClean="0"/>
-              <a:t>26.01.2017</a:t>
+              <a:t>27.01.2017</a:t>
             </a:fld>
             <a:endParaRPr lang="de-AT"/>
           </a:p>
@@ -2477,7 +2482,7 @@
           <a:p>
             <a:fld id="{64CDEDAF-14B2-4DBE-8564-276D42205C11}" type="datetimeFigureOut">
               <a:rPr lang="de-AT" smtClean="0"/>
-              <a:t>26.01.2017</a:t>
+              <a:t>27.01.2017</a:t>
             </a:fld>
             <a:endParaRPr lang="de-AT"/>
           </a:p>
@@ -2774,7 +2779,7 @@
           <a:p>
             <a:fld id="{64CDEDAF-14B2-4DBE-8564-276D42205C11}" type="datetimeFigureOut">
               <a:rPr lang="de-AT" smtClean="0"/>
-              <a:t>26.01.2017</a:t>
+              <a:t>27.01.2017</a:t>
             </a:fld>
             <a:endParaRPr lang="de-AT"/>
           </a:p>
@@ -2948,7 +2953,7 @@
           <a:p>
             <a:fld id="{64CDEDAF-14B2-4DBE-8564-276D42205C11}" type="datetimeFigureOut">
               <a:rPr lang="de-AT" smtClean="0"/>
-              <a:t>26.01.2017</a:t>
+              <a:t>27.01.2017</a:t>
             </a:fld>
             <a:endParaRPr lang="de-AT"/>
           </a:p>
@@ -3128,7 +3133,7 @@
           <a:p>
             <a:fld id="{64CDEDAF-14B2-4DBE-8564-276D42205C11}" type="datetimeFigureOut">
               <a:rPr lang="de-AT" smtClean="0"/>
-              <a:t>26.01.2017</a:t>
+              <a:t>27.01.2017</a:t>
             </a:fld>
             <a:endParaRPr lang="de-AT"/>
           </a:p>
@@ -3298,7 +3303,7 @@
           <a:p>
             <a:fld id="{64CDEDAF-14B2-4DBE-8564-276D42205C11}" type="datetimeFigureOut">
               <a:rPr lang="de-AT" smtClean="0"/>
-              <a:t>26.01.2017</a:t>
+              <a:t>27.01.2017</a:t>
             </a:fld>
             <a:endParaRPr lang="de-AT"/>
           </a:p>
@@ -3549,7 +3554,7 @@
           <a:p>
             <a:fld id="{64CDEDAF-14B2-4DBE-8564-276D42205C11}" type="datetimeFigureOut">
               <a:rPr lang="de-AT" smtClean="0"/>
-              <a:t>26.01.2017</a:t>
+              <a:t>27.01.2017</a:t>
             </a:fld>
             <a:endParaRPr lang="de-AT"/>
           </a:p>
@@ -3846,7 +3851,7 @@
           <a:p>
             <a:fld id="{64CDEDAF-14B2-4DBE-8564-276D42205C11}" type="datetimeFigureOut">
               <a:rPr lang="de-AT" smtClean="0"/>
-              <a:t>26.01.2017</a:t>
+              <a:t>27.01.2017</a:t>
             </a:fld>
             <a:endParaRPr lang="de-AT"/>
           </a:p>
@@ -4288,7 +4293,7 @@
           <a:p>
             <a:fld id="{64CDEDAF-14B2-4DBE-8564-276D42205C11}" type="datetimeFigureOut">
               <a:rPr lang="de-AT" smtClean="0"/>
-              <a:t>26.01.2017</a:t>
+              <a:t>27.01.2017</a:t>
             </a:fld>
             <a:endParaRPr lang="de-AT"/>
           </a:p>
@@ -4406,7 +4411,7 @@
           <a:p>
             <a:fld id="{64CDEDAF-14B2-4DBE-8564-276D42205C11}" type="datetimeFigureOut">
               <a:rPr lang="de-AT" smtClean="0"/>
-              <a:t>26.01.2017</a:t>
+              <a:t>27.01.2017</a:t>
             </a:fld>
             <a:endParaRPr lang="de-AT"/>
           </a:p>
@@ -4501,7 +4506,7 @@
           <a:p>
             <a:fld id="{64CDEDAF-14B2-4DBE-8564-276D42205C11}" type="datetimeFigureOut">
               <a:rPr lang="de-AT" smtClean="0"/>
-              <a:t>26.01.2017</a:t>
+              <a:t>27.01.2017</a:t>
             </a:fld>
             <a:endParaRPr lang="de-AT"/>
           </a:p>
@@ -4784,7 +4789,7 @@
           <a:p>
             <a:fld id="{64CDEDAF-14B2-4DBE-8564-276D42205C11}" type="datetimeFigureOut">
               <a:rPr lang="de-AT" smtClean="0"/>
-              <a:t>26.01.2017</a:t>
+              <a:t>27.01.2017</a:t>
             </a:fld>
             <a:endParaRPr lang="de-AT"/>
           </a:p>
@@ -5075,7 +5080,7 @@
           <a:p>
             <a:fld id="{64CDEDAF-14B2-4DBE-8564-276D42205C11}" type="datetimeFigureOut">
               <a:rPr lang="de-AT" smtClean="0"/>
-              <a:t>26.01.2017</a:t>
+              <a:t>27.01.2017</a:t>
             </a:fld>
             <a:endParaRPr lang="de-AT"/>
           </a:p>
@@ -5605,7 +5610,7 @@
           <a:p>
             <a:fld id="{64CDEDAF-14B2-4DBE-8564-276D42205C11}" type="datetimeFigureOut">
               <a:rPr lang="de-AT" smtClean="0"/>
-              <a:t>26.01.2017</a:t>
+              <a:t>27.01.2017</a:t>
             </a:fld>
             <a:endParaRPr lang="de-AT"/>
           </a:p>
@@ -6153,8 +6158,13 @@
           <a:p>
             <a:r>
               <a:rPr lang="de-AT" dirty="0"/>
-              <a:t>OAuth2</a:t>
-            </a:r>
+              <a:t>OAuth2 + </a:t>
+            </a:r>
+            <a:r>
+              <a:rPr lang="de-AT" dirty="0" err="1"/>
+              <a:t>WebApp</a:t>
+            </a:r>
+            <a:endParaRPr lang="de-AT" dirty="0"/>
           </a:p>
         </p:txBody>
       </p:sp>
@@ -6376,7 +6386,14 @@
           <a:p>
             <a:r>
               <a:rPr lang="de-AT" dirty="0"/>
-              <a:t>Authentifizierung über Microsoft Identity Server 4</a:t>
+              <a:t>Authentifizierung über Identity Server 4</a:t>
+            </a:r>
+          </a:p>
+          <a:p>
+            <a:pPr lvl="1"/>
+            <a:r>
+              <a:rPr lang="de-AT" dirty="0"/>
+              <a:t>Rolle als Claim</a:t>
             </a:r>
           </a:p>
           <a:p>
